--- a/2、正式课/1、第一周/5、第五天/原型图.pptx
+++ b/2、正式课/1、第一周/5、第五天/原型图.pptx
@@ -289,7 +289,7 @@
             <a:fld id="{530820CF-B880-4189-942D-D702A7CBA730}" type="datetimeFigureOut">
               <a:rPr lang="zh-CN" altLang="en-US" smtClean="0"/>
               <a:pPr/>
-              <a:t>2019/11/25</a:t>
+              <a:t>2020/1/3</a:t>
             </a:fld>
             <a:endParaRPr lang="zh-CN" altLang="en-US"/>
           </a:p>
@@ -456,7 +456,7 @@
             <a:fld id="{530820CF-B880-4189-942D-D702A7CBA730}" type="datetimeFigureOut">
               <a:rPr lang="zh-CN" altLang="en-US" smtClean="0"/>
               <a:pPr/>
-              <a:t>2019/11/25</a:t>
+              <a:t>2020/1/3</a:t>
             </a:fld>
             <a:endParaRPr lang="zh-CN" altLang="en-US"/>
           </a:p>
@@ -633,7 +633,7 @@
             <a:fld id="{530820CF-B880-4189-942D-D702A7CBA730}" type="datetimeFigureOut">
               <a:rPr lang="zh-CN" altLang="en-US" smtClean="0"/>
               <a:pPr/>
-              <a:t>2019/11/25</a:t>
+              <a:t>2020/1/3</a:t>
             </a:fld>
             <a:endParaRPr lang="zh-CN" altLang="en-US"/>
           </a:p>
@@ -800,7 +800,7 @@
             <a:fld id="{530820CF-B880-4189-942D-D702A7CBA730}" type="datetimeFigureOut">
               <a:rPr lang="zh-CN" altLang="en-US" smtClean="0"/>
               <a:pPr/>
-              <a:t>2019/11/25</a:t>
+              <a:t>2020/1/3</a:t>
             </a:fld>
             <a:endParaRPr lang="zh-CN" altLang="en-US"/>
           </a:p>
@@ -1043,7 +1043,7 @@
             <a:fld id="{530820CF-B880-4189-942D-D702A7CBA730}" type="datetimeFigureOut">
               <a:rPr lang="zh-CN" altLang="en-US" smtClean="0"/>
               <a:pPr/>
-              <a:t>2019/11/25</a:t>
+              <a:t>2020/1/3</a:t>
             </a:fld>
             <a:endParaRPr lang="zh-CN" altLang="en-US"/>
           </a:p>
@@ -1328,7 +1328,7 @@
             <a:fld id="{530820CF-B880-4189-942D-D702A7CBA730}" type="datetimeFigureOut">
               <a:rPr lang="zh-CN" altLang="en-US" smtClean="0"/>
               <a:pPr/>
-              <a:t>2019/11/25</a:t>
+              <a:t>2020/1/3</a:t>
             </a:fld>
             <a:endParaRPr lang="zh-CN" altLang="en-US"/>
           </a:p>
@@ -1747,7 +1747,7 @@
             <a:fld id="{530820CF-B880-4189-942D-D702A7CBA730}" type="datetimeFigureOut">
               <a:rPr lang="zh-CN" altLang="en-US" smtClean="0"/>
               <a:pPr/>
-              <a:t>2019/11/25</a:t>
+              <a:t>2020/1/3</a:t>
             </a:fld>
             <a:endParaRPr lang="zh-CN" altLang="en-US"/>
           </a:p>
@@ -1862,7 +1862,7 @@
             <a:fld id="{530820CF-B880-4189-942D-D702A7CBA730}" type="datetimeFigureOut">
               <a:rPr lang="zh-CN" altLang="en-US" smtClean="0"/>
               <a:pPr/>
-              <a:t>2019/11/25</a:t>
+              <a:t>2020/1/3</a:t>
             </a:fld>
             <a:endParaRPr lang="zh-CN" altLang="en-US"/>
           </a:p>
@@ -1954,7 +1954,7 @@
             <a:fld id="{530820CF-B880-4189-942D-D702A7CBA730}" type="datetimeFigureOut">
               <a:rPr lang="zh-CN" altLang="en-US" smtClean="0"/>
               <a:pPr/>
-              <a:t>2019/11/25</a:t>
+              <a:t>2020/1/3</a:t>
             </a:fld>
             <a:endParaRPr lang="zh-CN" altLang="en-US"/>
           </a:p>
@@ -2228,7 +2228,7 @@
             <a:fld id="{530820CF-B880-4189-942D-D702A7CBA730}" type="datetimeFigureOut">
               <a:rPr lang="zh-CN" altLang="en-US" smtClean="0"/>
               <a:pPr/>
-              <a:t>2019/11/25</a:t>
+              <a:t>2020/1/3</a:t>
             </a:fld>
             <a:endParaRPr lang="zh-CN" altLang="en-US"/>
           </a:p>
@@ -2478,7 +2478,7 @@
             <a:fld id="{530820CF-B880-4189-942D-D702A7CBA730}" type="datetimeFigureOut">
               <a:rPr lang="zh-CN" altLang="en-US" smtClean="0"/>
               <a:pPr/>
-              <a:t>2019/11/25</a:t>
+              <a:t>2020/1/3</a:t>
             </a:fld>
             <a:endParaRPr lang="zh-CN" altLang="en-US"/>
           </a:p>
@@ -2688,7 +2688,7 @@
             <a:fld id="{530820CF-B880-4189-942D-D702A7CBA730}" type="datetimeFigureOut">
               <a:rPr lang="zh-CN" altLang="en-US" smtClean="0"/>
               <a:pPr/>
-              <a:t>2019/11/25</a:t>
+              <a:t>2020/1/3</a:t>
             </a:fld>
             <a:endParaRPr lang="zh-CN" altLang="en-US"/>
           </a:p>
@@ -5839,7 +5839,7 @@
         </p:nvSpPr>
         <p:spPr>
           <a:xfrm>
-            <a:off x="720230" y="7344891"/>
+            <a:off x="0" y="7344891"/>
             <a:ext cx="5349541" cy="2308324"/>
           </a:xfrm>
           <a:prstGeom prst="rect">
@@ -5855,27 +5855,15 @@
           <a:p>
             <a:r>
               <a:rPr lang="en-US" altLang="zh-CN" sz="4800" dirty="0" smtClean="0"/>
-              <a:t>f</a:t>
-            </a:r>
+              <a:t>f1 instanceof  Fn</a:t>
+            </a:r>
+          </a:p>
+          <a:p>
             <a:r>
               <a:rPr lang="en-US" altLang="zh-CN" sz="4800" dirty="0" smtClean="0"/>
-              <a:t>1 instanceof  Fn</a:t>
-            </a:r>
-          </a:p>
-          <a:p>
-            <a:r>
-              <a:rPr lang="en-US" altLang="zh-CN" sz="4800" dirty="0" smtClean="0"/>
-              <a:t>f1 </a:t>
-            </a:r>
-            <a:r>
-              <a:rPr lang="en-US" altLang="zh-CN" sz="4800" smtClean="0"/>
-              <a:t>instanceof  </a:t>
-            </a:r>
-            <a:r>
-              <a:rPr lang="en-US" altLang="zh-CN" sz="4800" smtClean="0"/>
-              <a:t>Object</a:t>
-            </a:r>
-            <a:endParaRPr lang="zh-CN" altLang="en-US" sz="4800" smtClean="0"/>
+              <a:t>f1 instanceof  Object</a:t>
+            </a:r>
+            <a:endParaRPr lang="zh-CN" altLang="en-US" sz="4800" dirty="0" smtClean="0"/>
           </a:p>
           <a:p>
             <a:endParaRPr lang="zh-CN" altLang="en-US" sz="4800" dirty="0"/>
